--- a/225_2_Git_PPT.pptx
+++ b/225_2_Git_PPT.pptx
@@ -3049,7 +3049,10 @@
           <a:bodyPr/>
           <a:lstStyle/>
           <a:p>
-            <a:endParaRPr lang="ko-KR" altLang="en-US" dirty="0"/>
+            <a:r>
+              <a:rPr lang="ko-KR" altLang="en-US" dirty="0"/>
+              <a:t>본문을 삽입하고</a:t>
+            </a:r>
           </a:p>
         </p:txBody>
       </p:sp>
@@ -3074,6 +3077,14 @@
           <a:bodyPr/>
           <a:lstStyle/>
           <a:p>
+            <a:r>
+              <a:rPr lang="ko-KR" altLang="en-US" dirty="0"/>
+              <a:t>자세한 내용을 입력합니다</a:t>
+            </a:r>
+            <a:r>
+              <a:rPr lang="en-US" altLang="ko-KR"/>
+              <a:t>.</a:t>
+            </a:r>
             <a:endParaRPr lang="ko-KR" altLang="en-US"/>
           </a:p>
         </p:txBody>

--- a/225_2_Git_PPT.pptx
+++ b/225_2_Git_PPT.pptx
@@ -3023,7 +3023,7 @@
           <a:p>
             <a:r>
               <a:rPr lang="ko-KR" altLang="en-US" dirty="0"/>
-              <a:t>아주 일반적인 이야기 </a:t>
+              <a:t>아주 강경한 이야기 </a:t>
             </a:r>
           </a:p>
         </p:txBody>
@@ -3112,7 +3112,7 @@
           <a:p>
             <a:r>
               <a:rPr lang="ko-KR" altLang="en-US" dirty="0"/>
-              <a:t>이야기 </a:t>
+              <a:t>무서운 이야기 </a:t>
             </a:r>
             <a:r>
               <a:rPr lang="en-US" altLang="ko-KR" dirty="0"/>
@@ -3145,7 +3145,7 @@
           <a:p>
             <a:r>
               <a:rPr lang="ko-KR" altLang="en-US" dirty="0"/>
-              <a:t>이야기 </a:t>
+              <a:t>협박 이야기 </a:t>
             </a:r>
             <a:r>
               <a:rPr lang="en-US" altLang="ko-KR" dirty="0"/>

--- a/225_2_Git_PPT.pptx
+++ b/225_2_Git_PPT.pptx
@@ -3023,7 +3023,7 @@
           <a:p>
             <a:r>
               <a:rPr lang="ko-KR" altLang="en-US" dirty="0"/>
-              <a:t>아주 일반적인 이야기 </a:t>
+              <a:t>아주 순화된 이야기 </a:t>
             </a:r>
           </a:p>
         </p:txBody>
@@ -3051,7 +3051,7 @@
           <a:p>
             <a:r>
               <a:rPr lang="ko-KR" altLang="en-US" dirty="0"/>
-              <a:t>본문을 삽입하고</a:t>
+              <a:t>부드러운 본문을 삽입하고</a:t>
             </a:r>
           </a:p>
         </p:txBody>
@@ -3082,10 +3082,10 @@
               <a:t>자세한 내용을 입력합니다</a:t>
             </a:r>
             <a:r>
-              <a:rPr lang="en-US" altLang="ko-KR"/>
+              <a:rPr lang="en-US" altLang="ko-KR" dirty="0"/>
               <a:t>.</a:t>
             </a:r>
-            <a:endParaRPr lang="ko-KR" altLang="en-US"/>
+            <a:endParaRPr lang="ko-KR" altLang="en-US" dirty="0"/>
           </a:p>
         </p:txBody>
       </p:sp>
